--- a/CGM_Group_12012023.pptx
+++ b/CGM_Group_12012023.pptx
@@ -5,7 +5,7 @@
     <p:sldMasterId id="2147483738" r:id="rId1"/>
   </p:sldMasterIdLst>
   <p:notesMasterIdLst>
-    <p:notesMasterId r:id="rId18"/>
+    <p:notesMasterId r:id="rId14"/>
   </p:notesMasterIdLst>
   <p:sldIdLst>
     <p:sldId id="256" r:id="rId2"/>
@@ -13,17 +13,13 @@
     <p:sldId id="273" r:id="rId4"/>
     <p:sldId id="269" r:id="rId5"/>
     <p:sldId id="259" r:id="rId6"/>
-    <p:sldId id="271" r:id="rId7"/>
-    <p:sldId id="258" r:id="rId8"/>
-    <p:sldId id="260" r:id="rId9"/>
-    <p:sldId id="261" r:id="rId10"/>
-    <p:sldId id="262" r:id="rId11"/>
-    <p:sldId id="263" r:id="rId12"/>
-    <p:sldId id="264" r:id="rId13"/>
-    <p:sldId id="265" r:id="rId14"/>
-    <p:sldId id="270" r:id="rId15"/>
-    <p:sldId id="266" r:id="rId16"/>
-    <p:sldId id="267" r:id="rId17"/>
+    <p:sldId id="258" r:id="rId7"/>
+    <p:sldId id="261" r:id="rId8"/>
+    <p:sldId id="262" r:id="rId9"/>
+    <p:sldId id="263" r:id="rId10"/>
+    <p:sldId id="274" r:id="rId11"/>
+    <p:sldId id="264" r:id="rId12"/>
+    <p:sldId id="270" r:id="rId13"/>
   </p:sldIdLst>
   <p:sldSz cx="12192000" cy="6858000"/>
   <p:notesSz cx="6858000" cy="9144000"/>
@@ -122,6 +118,11 @@
       </a:defRPr>
     </a:lvl9pPr>
   </p:defaultTextStyle>
+  <p:extLst>
+    <p:ext uri="{EFAFB233-063F-42B5-8137-9DF3F51BA10A}">
+      <p15:sldGuideLst xmlns:p15="http://schemas.microsoft.com/office/powerpoint/2012/main"/>
+    </p:ext>
+  </p:extLst>
 </p:presentation>
 </file>
 
@@ -3464,7 +3465,7 @@
           <a:p>
             <a:fld id="{7C4DBFBE-F23C-4118-ABB8-D7511119543C}" type="slidenum">
               <a:rPr lang="en-US" smtClean="0"/>
-              <a:t>7</a:t>
+              <a:t>6</a:t>
             </a:fld>
             <a:endParaRPr lang="en-US"/>
           </a:p>
@@ -7292,7 +7293,7 @@
           <p:cNvPr id="2" name="Title 1">
             <a:extLst>
               <a:ext uri="{FF2B5EF4-FFF2-40B4-BE49-F238E27FC236}">
-                <a16:creationId xmlns:a16="http://schemas.microsoft.com/office/drawing/2014/main" id="{1C81C615-2107-57C4-0CFB-575F01498A81}"/>
+                <a16:creationId xmlns:a16="http://schemas.microsoft.com/office/drawing/2014/main" id="{D80E6716-5ED6-5CD7-A03F-A332757B3CB6}"/>
               </a:ext>
             </a:extLst>
           </p:cNvPr>
@@ -7303,12 +7304,20 @@
             <p:ph type="title"/>
           </p:nvPr>
         </p:nvSpPr>
-        <p:spPr/>
+        <p:spPr>
+          <a:xfrm>
+            <a:off x="1097280" y="286604"/>
+            <a:ext cx="10058400" cy="901174"/>
+          </a:xfrm>
+        </p:spPr>
         <p:txBody>
           <a:bodyPr/>
           <a:lstStyle/>
           <a:p>
-            <a:endParaRPr lang="en-US"/>
+            <a:r>
+              <a:rPr lang="en-US" dirty="0"/>
+              <a:t>Ionization Dependence</a:t>
+            </a:r>
           </a:p>
         </p:txBody>
       </p:sp>
@@ -7317,7 +7326,7 @@
           <p:cNvPr id="3" name="Content Placeholder 2">
             <a:extLst>
               <a:ext uri="{FF2B5EF4-FFF2-40B4-BE49-F238E27FC236}">
-                <a16:creationId xmlns:a16="http://schemas.microsoft.com/office/drawing/2014/main" id="{2E8AE6D6-D234-341C-5FED-A95B3C32A396}"/>
+                <a16:creationId xmlns:a16="http://schemas.microsoft.com/office/drawing/2014/main" id="{5F5A887C-5C7D-F985-C048-979E647341BA}"/>
               </a:ext>
             </a:extLst>
           </p:cNvPr>
@@ -7342,7 +7351,7 @@
           <p:cNvPr id="4" name="Content Placeholder 3">
             <a:extLst>
               <a:ext uri="{FF2B5EF4-FFF2-40B4-BE49-F238E27FC236}">
-                <a16:creationId xmlns:a16="http://schemas.microsoft.com/office/drawing/2014/main" id="{182911A4-C80C-E2C3-58E5-E0FF44711AD9}"/>
+                <a16:creationId xmlns:a16="http://schemas.microsoft.com/office/drawing/2014/main" id="{622A4A6E-64C9-16DA-1BDE-2EB8E15DD60E}"/>
               </a:ext>
             </a:extLst>
           </p:cNvPr>
@@ -7364,10 +7373,10 @@
       </p:sp>
       <p:pic>
         <p:nvPicPr>
-          <p:cNvPr id="6" name="Picture 5">
+          <p:cNvPr id="5" name="Picture 4">
             <a:extLst>
               <a:ext uri="{FF2B5EF4-FFF2-40B4-BE49-F238E27FC236}">
-                <a16:creationId xmlns:a16="http://schemas.microsoft.com/office/drawing/2014/main" id="{82830C09-C6A5-772F-2E3D-64F4EC930B5D}"/>
+                <a16:creationId xmlns:a16="http://schemas.microsoft.com/office/drawing/2014/main" id="{2822AF87-72E2-D625-7054-08024608827B}"/>
               </a:ext>
             </a:extLst>
           </p:cNvPr>
@@ -7376,16 +7385,44 @@
           </p:cNvPicPr>
           <p:nvPr/>
         </p:nvPicPr>
-        <p:blipFill>
+        <p:blipFill rotWithShape="1">
           <a:blip r:embed="rId2"/>
-          <a:stretch>
-            <a:fillRect/>
-          </a:stretch>
+          <a:srcRect l="8558" t="5030" r="15274" b="50296"/>
+          <a:stretch/>
         </p:blipFill>
         <p:spPr>
           <a:xfrm>
-            <a:off x="3219450" y="776287"/>
-            <a:ext cx="5753100" cy="5305425"/>
+            <a:off x="135666" y="1187778"/>
+            <a:ext cx="6082254" cy="4833089"/>
+          </a:xfrm>
+          <a:prstGeom prst="rect">
+            <a:avLst/>
+          </a:prstGeom>
+        </p:spPr>
+      </p:pic>
+      <p:pic>
+        <p:nvPicPr>
+          <p:cNvPr id="6" name="Picture 5">
+            <a:extLst>
+              <a:ext uri="{FF2B5EF4-FFF2-40B4-BE49-F238E27FC236}">
+                <a16:creationId xmlns:a16="http://schemas.microsoft.com/office/drawing/2014/main" id="{616B21C7-2E72-B800-FF06-C84FB1877C0C}"/>
+              </a:ext>
+            </a:extLst>
+          </p:cNvPr>
+          <p:cNvPicPr>
+            <a:picLocks noChangeAspect="1"/>
+          </p:cNvPicPr>
+          <p:nvPr/>
+        </p:nvPicPr>
+        <p:blipFill rotWithShape="1">
+          <a:blip r:embed="rId2"/>
+          <a:srcRect l="10575" t="49979" r="16050" b="1774"/>
+          <a:stretch/>
+        </p:blipFill>
+        <p:spPr>
+          <a:xfrm>
+            <a:off x="6217920" y="1117077"/>
+            <a:ext cx="5716414" cy="5092542"/>
           </a:xfrm>
           <a:prstGeom prst="rect">
             <a:avLst/>
@@ -7395,7 +7432,7 @@
     </p:spTree>
     <p:extLst>
       <p:ext uri="{BB962C8B-B14F-4D97-AF65-F5344CB8AC3E}">
-        <p14:creationId xmlns:p14="http://schemas.microsoft.com/office/powerpoint/2010/main" val="2933142392"/>
+        <p14:creationId xmlns:p14="http://schemas.microsoft.com/office/powerpoint/2010/main" val="4294144858"/>
       </p:ext>
     </p:extLst>
   </p:cSld>
@@ -7427,7 +7464,7 @@
           <p:cNvPr id="2" name="Title 1">
             <a:extLst>
               <a:ext uri="{FF2B5EF4-FFF2-40B4-BE49-F238E27FC236}">
-                <a16:creationId xmlns:a16="http://schemas.microsoft.com/office/drawing/2014/main" id="{42448BA2-A832-C331-6521-AA1D1CAF5144}"/>
+                <a16:creationId xmlns:a16="http://schemas.microsoft.com/office/drawing/2014/main" id="{28BC8B07-C475-23F1-D4EB-15C0115E194A}"/>
               </a:ext>
             </a:extLst>
           </p:cNvPr>
@@ -7443,7 +7480,10 @@
           <a:bodyPr/>
           <a:lstStyle/>
           <a:p>
-            <a:endParaRPr lang="en-US"/>
+            <a:r>
+              <a:rPr lang="en-US" dirty="0"/>
+              <a:t>Metallicity</a:t>
+            </a:r>
           </a:p>
         </p:txBody>
       </p:sp>
@@ -7452,7 +7492,7 @@
           <p:cNvPr id="3" name="Content Placeholder 2">
             <a:extLst>
               <a:ext uri="{FF2B5EF4-FFF2-40B4-BE49-F238E27FC236}">
-                <a16:creationId xmlns:a16="http://schemas.microsoft.com/office/drawing/2014/main" id="{53DDCD83-F608-056E-8C2A-5B6631137198}"/>
+                <a16:creationId xmlns:a16="http://schemas.microsoft.com/office/drawing/2014/main" id="{609074E8-BB3F-C274-A8E8-FB95C4787A3E}"/>
               </a:ext>
             </a:extLst>
           </p:cNvPr>
@@ -7465,10 +7505,52 @@
         </p:nvSpPr>
         <p:spPr/>
         <p:txBody>
-          <a:bodyPr/>
+          <a:bodyPr>
+            <a:normAutofit/>
+          </a:bodyPr>
           <a:lstStyle/>
           <a:p>
-            <a:endParaRPr lang="en-US"/>
+            <a:r>
+              <a:rPr lang="en-US" sz="2400" dirty="0"/>
+              <a:t>Absorption along major axis</a:t>
+            </a:r>
+          </a:p>
+          <a:p>
+            <a:pPr lvl="1"/>
+            <a:r>
+              <a:rPr lang="en-US" sz="2000" dirty="0"/>
+              <a:t>Low ion and high corotation associated with lower metallicities</a:t>
+            </a:r>
+          </a:p>
+          <a:p>
+            <a:pPr lvl="1"/>
+            <a:r>
+              <a:rPr lang="en-US" sz="2000" dirty="0"/>
+              <a:t>High ion and high corotation associated with higher metallicities</a:t>
+            </a:r>
+          </a:p>
+          <a:p>
+            <a:r>
+              <a:rPr lang="en-US" sz="2400" dirty="0"/>
+              <a:t>Suggests two forms of accretion</a:t>
+            </a:r>
+          </a:p>
+          <a:p>
+            <a:pPr lvl="1"/>
+            <a:r>
+              <a:rPr lang="en-US" sz="2000" dirty="0"/>
+              <a:t>Low ion gas corotating with galaxy accreting along cosmic filaments – low metallicity</a:t>
+            </a:r>
+          </a:p>
+          <a:p>
+            <a:pPr lvl="1"/>
+            <a:r>
+              <a:rPr lang="en-US" sz="2000" dirty="0"/>
+              <a:t>High ion gas recycled joining accretion along major axis</a:t>
+            </a:r>
+          </a:p>
+          <a:p>
+            <a:endParaRPr lang="en-US" dirty="0"/>
           </a:p>
         </p:txBody>
       </p:sp>
@@ -7477,7 +7559,7 @@
           <p:cNvPr id="4" name="Content Placeholder 3">
             <a:extLst>
               <a:ext uri="{FF2B5EF4-FFF2-40B4-BE49-F238E27FC236}">
-                <a16:creationId xmlns:a16="http://schemas.microsoft.com/office/drawing/2014/main" id="{83F783D7-D12D-5A0A-9451-20D9E630B676}"/>
+                <a16:creationId xmlns:a16="http://schemas.microsoft.com/office/drawing/2014/main" id="{80DDCCFF-A326-B45D-26A6-A5B96ACB62E1}"/>
               </a:ext>
             </a:extLst>
           </p:cNvPr>
@@ -7490,7 +7572,9 @@
         </p:nvSpPr>
         <p:spPr/>
         <p:txBody>
-          <a:bodyPr/>
+          <a:bodyPr>
+            <a:normAutofit/>
+          </a:bodyPr>
           <a:lstStyle/>
           <a:p>
             <a:endParaRPr lang="en-US"/>
@@ -7499,10 +7583,10 @@
       </p:sp>
       <p:pic>
         <p:nvPicPr>
-          <p:cNvPr id="6" name="Picture 5">
+          <p:cNvPr id="7" name="Picture 6">
             <a:extLst>
               <a:ext uri="{FF2B5EF4-FFF2-40B4-BE49-F238E27FC236}">
-                <a16:creationId xmlns:a16="http://schemas.microsoft.com/office/drawing/2014/main" id="{8669A111-ABD2-39C0-046F-6C2A42BC38D4}"/>
+                <a16:creationId xmlns:a16="http://schemas.microsoft.com/office/drawing/2014/main" id="{31AD0F13-5EB0-9DC3-1695-0B20F744D347}"/>
               </a:ext>
             </a:extLst>
           </p:cNvPr>
@@ -7511,46 +7595,15 @@
           </p:cNvPicPr>
           <p:nvPr/>
         </p:nvPicPr>
-        <p:blipFill>
+        <p:blipFill rotWithShape="1">
           <a:blip r:embed="rId2"/>
-          <a:stretch>
-            <a:fillRect/>
-          </a:stretch>
+          <a:srcRect l="4615" t="9510" r="11832"/>
+          <a:stretch/>
         </p:blipFill>
         <p:spPr>
           <a:xfrm>
-            <a:off x="153080" y="0"/>
-            <a:ext cx="5061857" cy="6858000"/>
-          </a:xfrm>
-          <a:prstGeom prst="rect">
-            <a:avLst/>
-          </a:prstGeom>
-        </p:spPr>
-      </p:pic>
-      <p:pic>
-        <p:nvPicPr>
-          <p:cNvPr id="8" name="Picture 7">
-            <a:extLst>
-              <a:ext uri="{FF2B5EF4-FFF2-40B4-BE49-F238E27FC236}">
-                <a16:creationId xmlns:a16="http://schemas.microsoft.com/office/drawing/2014/main" id="{58973C1B-7E91-8319-03F8-5BF95EF4AD91}"/>
-              </a:ext>
-            </a:extLst>
-          </p:cNvPr>
-          <p:cNvPicPr>
-            <a:picLocks noChangeAspect="1"/>
-          </p:cNvPicPr>
-          <p:nvPr/>
-        </p:nvPicPr>
-        <p:blipFill>
-          <a:blip r:embed="rId3"/>
-          <a:stretch>
-            <a:fillRect/>
-          </a:stretch>
-        </p:blipFill>
-        <p:spPr>
-          <a:xfrm>
-            <a:off x="5214937" y="252412"/>
-            <a:ext cx="6638925" cy="6353175"/>
+            <a:off x="6096000" y="919652"/>
+            <a:ext cx="6096000" cy="4464467"/>
           </a:xfrm>
           <a:prstGeom prst="rect">
             <a:avLst/>
@@ -7560,7 +7613,7 @@
     </p:spTree>
     <p:extLst>
       <p:ext uri="{BB962C8B-B14F-4D97-AF65-F5344CB8AC3E}">
-        <p14:creationId xmlns:p14="http://schemas.microsoft.com/office/powerpoint/2010/main" val="1067086800"/>
+        <p14:creationId xmlns:p14="http://schemas.microsoft.com/office/powerpoint/2010/main" val="3990817797"/>
       </p:ext>
     </p:extLst>
   </p:cSld>
@@ -7592,268 +7645,6 @@
           <p:cNvPr id="2" name="Title 1">
             <a:extLst>
               <a:ext uri="{FF2B5EF4-FFF2-40B4-BE49-F238E27FC236}">
-                <a16:creationId xmlns:a16="http://schemas.microsoft.com/office/drawing/2014/main" id="{28BC8B07-C475-23F1-D4EB-15C0115E194A}"/>
-              </a:ext>
-            </a:extLst>
-          </p:cNvPr>
-          <p:cNvSpPr>
-            <a:spLocks noGrp="1"/>
-          </p:cNvSpPr>
-          <p:nvPr>
-            <p:ph type="title"/>
-          </p:nvPr>
-        </p:nvSpPr>
-        <p:spPr/>
-        <p:txBody>
-          <a:bodyPr/>
-          <a:lstStyle/>
-          <a:p>
-            <a:endParaRPr lang="en-US"/>
-          </a:p>
-        </p:txBody>
-      </p:sp>
-      <p:sp>
-        <p:nvSpPr>
-          <p:cNvPr id="3" name="Content Placeholder 2">
-            <a:extLst>
-              <a:ext uri="{FF2B5EF4-FFF2-40B4-BE49-F238E27FC236}">
-                <a16:creationId xmlns:a16="http://schemas.microsoft.com/office/drawing/2014/main" id="{609074E8-BB3F-C274-A8E8-FB95C4787A3E}"/>
-              </a:ext>
-            </a:extLst>
-          </p:cNvPr>
-          <p:cNvSpPr>
-            <a:spLocks noGrp="1"/>
-          </p:cNvSpPr>
-          <p:nvPr>
-            <p:ph sz="half" idx="1"/>
-          </p:nvPr>
-        </p:nvSpPr>
-        <p:spPr/>
-        <p:txBody>
-          <a:bodyPr/>
-          <a:lstStyle/>
-          <a:p>
-            <a:endParaRPr lang="en-US"/>
-          </a:p>
-        </p:txBody>
-      </p:sp>
-      <p:sp>
-        <p:nvSpPr>
-          <p:cNvPr id="4" name="Content Placeholder 3">
-            <a:extLst>
-              <a:ext uri="{FF2B5EF4-FFF2-40B4-BE49-F238E27FC236}">
-                <a16:creationId xmlns:a16="http://schemas.microsoft.com/office/drawing/2014/main" id="{80DDCCFF-A326-B45D-26A6-A5B96ACB62E1}"/>
-              </a:ext>
-            </a:extLst>
-          </p:cNvPr>
-          <p:cNvSpPr>
-            <a:spLocks noGrp="1"/>
-          </p:cNvSpPr>
-          <p:nvPr>
-            <p:ph sz="half" idx="2"/>
-          </p:nvPr>
-        </p:nvSpPr>
-        <p:spPr/>
-        <p:txBody>
-          <a:bodyPr/>
-          <a:lstStyle/>
-          <a:p>
-            <a:endParaRPr lang="en-US"/>
-          </a:p>
-        </p:txBody>
-      </p:sp>
-      <p:pic>
-        <p:nvPicPr>
-          <p:cNvPr id="6" name="Picture 5">
-            <a:extLst>
-              <a:ext uri="{FF2B5EF4-FFF2-40B4-BE49-F238E27FC236}">
-                <a16:creationId xmlns:a16="http://schemas.microsoft.com/office/drawing/2014/main" id="{3EA3B9C7-D747-8CD9-EC17-28898E305A41}"/>
-              </a:ext>
-            </a:extLst>
-          </p:cNvPr>
-          <p:cNvPicPr>
-            <a:picLocks noChangeAspect="1"/>
-          </p:cNvPicPr>
-          <p:nvPr/>
-        </p:nvPicPr>
-        <p:blipFill>
-          <a:blip r:embed="rId2"/>
-          <a:stretch>
-            <a:fillRect/>
-          </a:stretch>
-        </p:blipFill>
-        <p:spPr>
-          <a:xfrm>
-            <a:off x="2871787" y="885825"/>
-            <a:ext cx="6448425" cy="5086350"/>
-          </a:xfrm>
-          <a:prstGeom prst="rect">
-            <a:avLst/>
-          </a:prstGeom>
-        </p:spPr>
-      </p:pic>
-    </p:spTree>
-    <p:extLst>
-      <p:ext uri="{BB962C8B-B14F-4D97-AF65-F5344CB8AC3E}">
-        <p14:creationId xmlns:p14="http://schemas.microsoft.com/office/powerpoint/2010/main" val="3990817797"/>
-      </p:ext>
-    </p:extLst>
-  </p:cSld>
-  <p:clrMapOvr>
-    <a:masterClrMapping/>
-  </p:clrMapOvr>
-</p:sld>
-</file>
-
-<file path=ppt/slides/slide13.xml><?xml version="1.0" encoding="utf-8"?>
-<p:sld xmlns:a="http://schemas.openxmlformats.org/drawingml/2006/main" xmlns:r="http://schemas.openxmlformats.org/officeDocument/2006/relationships" xmlns:p="http://schemas.openxmlformats.org/presentationml/2006/main">
-  <p:cSld>
-    <p:spTree>
-      <p:nvGrpSpPr>
-        <p:cNvPr id="1" name=""/>
-        <p:cNvGrpSpPr/>
-        <p:nvPr/>
-      </p:nvGrpSpPr>
-      <p:grpSpPr>
-        <a:xfrm>
-          <a:off x="0" y="0"/>
-          <a:ext cx="0" cy="0"/>
-          <a:chOff x="0" y="0"/>
-          <a:chExt cx="0" cy="0"/>
-        </a:xfrm>
-      </p:grpSpPr>
-      <p:sp>
-        <p:nvSpPr>
-          <p:cNvPr id="2" name="Title 1">
-            <a:extLst>
-              <a:ext uri="{FF2B5EF4-FFF2-40B4-BE49-F238E27FC236}">
-                <a16:creationId xmlns:a16="http://schemas.microsoft.com/office/drawing/2014/main" id="{9CDA30B5-8680-B256-3AF8-2E44D55EFA93}"/>
-              </a:ext>
-            </a:extLst>
-          </p:cNvPr>
-          <p:cNvSpPr>
-            <a:spLocks noGrp="1"/>
-          </p:cNvSpPr>
-          <p:nvPr>
-            <p:ph type="title"/>
-          </p:nvPr>
-        </p:nvSpPr>
-        <p:spPr/>
-        <p:txBody>
-          <a:bodyPr/>
-          <a:lstStyle/>
-          <a:p>
-            <a:r>
-              <a:rPr lang="en-US" dirty="0"/>
-              <a:t>Metallicities</a:t>
-            </a:r>
-          </a:p>
-        </p:txBody>
-      </p:sp>
-      <p:sp>
-        <p:nvSpPr>
-          <p:cNvPr id="3" name="Content Placeholder 2">
-            <a:extLst>
-              <a:ext uri="{FF2B5EF4-FFF2-40B4-BE49-F238E27FC236}">
-                <a16:creationId xmlns:a16="http://schemas.microsoft.com/office/drawing/2014/main" id="{5A750BBD-FC30-C600-2939-CB6F8E265029}"/>
-              </a:ext>
-            </a:extLst>
-          </p:cNvPr>
-          <p:cNvSpPr>
-            <a:spLocks noGrp="1"/>
-          </p:cNvSpPr>
-          <p:nvPr>
-            <p:ph sz="half" idx="1"/>
-          </p:nvPr>
-        </p:nvSpPr>
-        <p:spPr/>
-        <p:txBody>
-          <a:bodyPr>
-            <a:normAutofit/>
-          </a:bodyPr>
-          <a:lstStyle/>
-          <a:p>
-            <a:r>
-              <a:rPr lang="en-US" dirty="0"/>
-              <a:t>major axis absorption with lower ionization energy and higher co-rotation fraction is associated with lower metallicities</a:t>
-            </a:r>
-          </a:p>
-          <a:p>
-            <a:r>
-              <a:rPr lang="en-US" dirty="0"/>
-              <a:t>While absorption with higher ionization energy shows high co-rotation fractions at the highest metallicities. This could be suggestive of two forms of accretion: 1) low ionization gas that is co-rotating with the galaxy having the lowest metallicity, which is accreting along cosmic filaments 2) high ionization and higher metallicity gas being recycled material that is cooling and joining with the accretion along the major axis</a:t>
-            </a:r>
-          </a:p>
-          <a:p>
-            <a:endParaRPr lang="en-US" dirty="0"/>
-          </a:p>
-        </p:txBody>
-      </p:sp>
-      <p:sp>
-        <p:nvSpPr>
-          <p:cNvPr id="4" name="Content Placeholder 3">
-            <a:extLst>
-              <a:ext uri="{FF2B5EF4-FFF2-40B4-BE49-F238E27FC236}">
-                <a16:creationId xmlns:a16="http://schemas.microsoft.com/office/drawing/2014/main" id="{6018E377-542C-8989-B5B7-26933DFC7B0B}"/>
-              </a:ext>
-            </a:extLst>
-          </p:cNvPr>
-          <p:cNvSpPr>
-            <a:spLocks noGrp="1"/>
-          </p:cNvSpPr>
-          <p:nvPr>
-            <p:ph sz="half" idx="2"/>
-          </p:nvPr>
-        </p:nvSpPr>
-        <p:spPr/>
-        <p:txBody>
-          <a:bodyPr>
-            <a:normAutofit/>
-          </a:bodyPr>
-          <a:lstStyle/>
-          <a:p>
-            <a:r>
-              <a:rPr lang="en-US" dirty="0"/>
-              <a:t>Systems with higher metallicity and also higher co-rotation fractions (white to pink shades) could potentially indicate metal-rich outflows that are still kinematically connected to the disk where they are ejected from. The minor axis systems, with low co-rotation fractions could be interpreted as the recycled gas that may become kinematically coupled and eventually accrete onto the galaxy.</a:t>
-            </a:r>
-          </a:p>
-        </p:txBody>
-      </p:sp>
-    </p:spTree>
-    <p:extLst>
-      <p:ext uri="{BB962C8B-B14F-4D97-AF65-F5344CB8AC3E}">
-        <p14:creationId xmlns:p14="http://schemas.microsoft.com/office/powerpoint/2010/main" val="3197986642"/>
-      </p:ext>
-    </p:extLst>
-  </p:cSld>
-  <p:clrMapOvr>
-    <a:masterClrMapping/>
-  </p:clrMapOvr>
-</p:sld>
-</file>
-
-<file path=ppt/slides/slide14.xml><?xml version="1.0" encoding="utf-8"?>
-<p:sld xmlns:a="http://schemas.openxmlformats.org/drawingml/2006/main" xmlns:r="http://schemas.openxmlformats.org/officeDocument/2006/relationships" xmlns:p="http://schemas.openxmlformats.org/presentationml/2006/main">
-  <p:cSld>
-    <p:spTree>
-      <p:nvGrpSpPr>
-        <p:cNvPr id="1" name=""/>
-        <p:cNvGrpSpPr/>
-        <p:nvPr/>
-      </p:nvGrpSpPr>
-      <p:grpSpPr>
-        <a:xfrm>
-          <a:off x="0" y="0"/>
-          <a:ext cx="0" cy="0"/>
-          <a:chOff x="0" y="0"/>
-          <a:chExt cx="0" cy="0"/>
-        </a:xfrm>
-      </p:grpSpPr>
-      <p:sp>
-        <p:nvSpPr>
-          <p:cNvPr id="2" name="Title 1">
-            <a:extLst>
-              <a:ext uri="{FF2B5EF4-FFF2-40B4-BE49-F238E27FC236}">
                 <a16:creationId xmlns:a16="http://schemas.microsoft.com/office/drawing/2014/main" id="{570476B1-5289-E149-C4DD-6506CC98C306}"/>
               </a:ext>
             </a:extLst>
@@ -7900,57 +7691,59 @@
           </a:bodyPr>
           <a:lstStyle/>
           <a:p>
-            <a:r>
-              <a:rPr lang="en-US" dirty="0"/>
-              <a:t>Median f for all ions is consistent</a:t>
-            </a:r>
-          </a:p>
-          <a:p>
-            <a:r>
-              <a:rPr lang="en-US" dirty="0"/>
-              <a:t>f increases with increasing hydrogen column density</a:t>
-            </a:r>
-          </a:p>
-          <a:p>
-            <a:r>
-              <a:rPr lang="en-US" dirty="0"/>
-              <a:t>f of lower ions decreases with distance from the galaxy center, but remains constant for higher ions</a:t>
-            </a:r>
-          </a:p>
-          <a:p>
-            <a:r>
-              <a:rPr lang="en-US" dirty="0"/>
-              <a:t>f varies minimally with azimuthal angle</a:t>
-            </a:r>
-          </a:p>
-          <a:p>
-            <a:r>
-              <a:rPr lang="en-US" dirty="0"/>
+            <a:pPr lvl="1"/>
+            <a:r>
+              <a:rPr lang="en-US" sz="2400" dirty="0"/>
+              <a:t>All ions have similar amounts of co-rotation</a:t>
+            </a:r>
+          </a:p>
+          <a:p>
+            <a:pPr lvl="1"/>
+            <a:r>
+              <a:rPr lang="en-US" sz="2400" dirty="0"/>
+              <a:t>Co-rotation fraction increases with increasing hydrogen column density</a:t>
+            </a:r>
+          </a:p>
+          <a:p>
+            <a:pPr lvl="1"/>
+            <a:r>
+              <a:rPr lang="en-US" sz="2400" dirty="0"/>
+              <a:t>Co-rotation of lower ions decreases with distance from the galaxy center, but remains constant for higher ions</a:t>
+            </a:r>
+          </a:p>
+          <a:p>
+            <a:pPr lvl="1"/>
+            <a:r>
+              <a:rPr lang="en-US" sz="2400" dirty="0"/>
+              <a:t>Co-rotation fraction varies minimally with azimuthal angle</a:t>
+            </a:r>
+          </a:p>
+          <a:p>
+            <a:pPr lvl="1"/>
+            <a:r>
+              <a:rPr lang="en-US" sz="2400" dirty="0"/>
               <a:t>Highly co-rotating OVI primarily resides along galaxy major axis</a:t>
             </a:r>
           </a:p>
           <a:p>
-            <a:r>
-              <a:rPr lang="en-US" dirty="0"/>
+            <a:pPr lvl="1"/>
+            <a:r>
+              <a:rPr lang="en-US" sz="2400" dirty="0"/>
               <a:t>There is a stronger co-rotation signature for lower-ionization gas</a:t>
             </a:r>
           </a:p>
           <a:p>
-            <a:r>
-              <a:rPr lang="en-US" dirty="0"/>
+            <a:pPr lvl="1"/>
+            <a:r>
+              <a:rPr lang="en-US" sz="2400" dirty="0"/>
               <a:t>Low ion gas with high f exhibits lower metallicity, may trace large-scale filamentary inflows</a:t>
             </a:r>
           </a:p>
           <a:p>
-            <a:r>
-              <a:rPr lang="en-US" dirty="0"/>
+            <a:pPr lvl="1"/>
+            <a:r>
+              <a:rPr lang="en-US" sz="2400" dirty="0"/>
               <a:t>High ion gas with high f exhibits higher metallicity, may trace co-planar recycled gas accretion</a:t>
-            </a:r>
-          </a:p>
-          <a:p>
-            <a:r>
-              <a:rPr lang="en-US" dirty="0"/>
-              <a:t>Differentiate between various gas flow scenarios</a:t>
             </a:r>
           </a:p>
         </p:txBody>
@@ -7959,216 +7752,6 @@
     <p:extLst>
       <p:ext uri="{BB962C8B-B14F-4D97-AF65-F5344CB8AC3E}">
         <p14:creationId xmlns:p14="http://schemas.microsoft.com/office/powerpoint/2010/main" val="3248289062"/>
-      </p:ext>
-    </p:extLst>
-  </p:cSld>
-  <p:clrMapOvr>
-    <a:masterClrMapping/>
-  </p:clrMapOvr>
-</p:sld>
-</file>
-
-<file path=ppt/slides/slide15.xml><?xml version="1.0" encoding="utf-8"?>
-<p:sld xmlns:a="http://schemas.openxmlformats.org/drawingml/2006/main" xmlns:r="http://schemas.openxmlformats.org/officeDocument/2006/relationships" xmlns:p="http://schemas.openxmlformats.org/presentationml/2006/main">
-  <p:cSld>
-    <p:spTree>
-      <p:nvGrpSpPr>
-        <p:cNvPr id="1" name=""/>
-        <p:cNvGrpSpPr/>
-        <p:nvPr/>
-      </p:nvGrpSpPr>
-      <p:grpSpPr>
-        <a:xfrm>
-          <a:off x="0" y="0"/>
-          <a:ext cx="0" cy="0"/>
-          <a:chOff x="0" y="0"/>
-          <a:chExt cx="0" cy="0"/>
-        </a:xfrm>
-      </p:grpSpPr>
-      <p:sp>
-        <p:nvSpPr>
-          <p:cNvPr id="2" name="Title 1">
-            <a:extLst>
-              <a:ext uri="{FF2B5EF4-FFF2-40B4-BE49-F238E27FC236}">
-                <a16:creationId xmlns:a16="http://schemas.microsoft.com/office/drawing/2014/main" id="{975774A8-841C-3355-C855-3B3EE6402959}"/>
-              </a:ext>
-            </a:extLst>
-          </p:cNvPr>
-          <p:cNvSpPr>
-            <a:spLocks noGrp="1"/>
-          </p:cNvSpPr>
-          <p:nvPr>
-            <p:ph type="title"/>
-          </p:nvPr>
-        </p:nvSpPr>
-        <p:spPr/>
-        <p:txBody>
-          <a:bodyPr/>
-          <a:lstStyle/>
-          <a:p>
-            <a:endParaRPr lang="en-US"/>
-          </a:p>
-        </p:txBody>
-      </p:sp>
-      <p:sp>
-        <p:nvSpPr>
-          <p:cNvPr id="3" name="Content Placeholder 2">
-            <a:extLst>
-              <a:ext uri="{FF2B5EF4-FFF2-40B4-BE49-F238E27FC236}">
-                <a16:creationId xmlns:a16="http://schemas.microsoft.com/office/drawing/2014/main" id="{583B7165-57A7-574D-8605-8FC36AEB2F4D}"/>
-              </a:ext>
-            </a:extLst>
-          </p:cNvPr>
-          <p:cNvSpPr>
-            <a:spLocks noGrp="1"/>
-          </p:cNvSpPr>
-          <p:nvPr>
-            <p:ph sz="half" idx="1"/>
-          </p:nvPr>
-        </p:nvSpPr>
-        <p:spPr/>
-        <p:txBody>
-          <a:bodyPr/>
-          <a:lstStyle/>
-          <a:p>
-            <a:endParaRPr lang="en-US"/>
-          </a:p>
-        </p:txBody>
-      </p:sp>
-      <p:sp>
-        <p:nvSpPr>
-          <p:cNvPr id="4" name="Content Placeholder 3">
-            <a:extLst>
-              <a:ext uri="{FF2B5EF4-FFF2-40B4-BE49-F238E27FC236}">
-                <a16:creationId xmlns:a16="http://schemas.microsoft.com/office/drawing/2014/main" id="{E306E691-C5C6-3CFA-A3AD-13BF3590E54E}"/>
-              </a:ext>
-            </a:extLst>
-          </p:cNvPr>
-          <p:cNvSpPr>
-            <a:spLocks noGrp="1"/>
-          </p:cNvSpPr>
-          <p:nvPr>
-            <p:ph sz="half" idx="2"/>
-          </p:nvPr>
-        </p:nvSpPr>
-        <p:spPr/>
-        <p:txBody>
-          <a:bodyPr/>
-          <a:lstStyle/>
-          <a:p>
-            <a:endParaRPr lang="en-US"/>
-          </a:p>
-        </p:txBody>
-      </p:sp>
-    </p:spTree>
-    <p:extLst>
-      <p:ext uri="{BB962C8B-B14F-4D97-AF65-F5344CB8AC3E}">
-        <p14:creationId xmlns:p14="http://schemas.microsoft.com/office/powerpoint/2010/main" val="889452673"/>
-      </p:ext>
-    </p:extLst>
-  </p:cSld>
-  <p:clrMapOvr>
-    <a:masterClrMapping/>
-  </p:clrMapOvr>
-</p:sld>
-</file>
-
-<file path=ppt/slides/slide16.xml><?xml version="1.0" encoding="utf-8"?>
-<p:sld xmlns:a="http://schemas.openxmlformats.org/drawingml/2006/main" xmlns:r="http://schemas.openxmlformats.org/officeDocument/2006/relationships" xmlns:p="http://schemas.openxmlformats.org/presentationml/2006/main">
-  <p:cSld>
-    <p:spTree>
-      <p:nvGrpSpPr>
-        <p:cNvPr id="1" name=""/>
-        <p:cNvGrpSpPr/>
-        <p:nvPr/>
-      </p:nvGrpSpPr>
-      <p:grpSpPr>
-        <a:xfrm>
-          <a:off x="0" y="0"/>
-          <a:ext cx="0" cy="0"/>
-          <a:chOff x="0" y="0"/>
-          <a:chExt cx="0" cy="0"/>
-        </a:xfrm>
-      </p:grpSpPr>
-      <p:sp>
-        <p:nvSpPr>
-          <p:cNvPr id="2" name="Title 1">
-            <a:extLst>
-              <a:ext uri="{FF2B5EF4-FFF2-40B4-BE49-F238E27FC236}">
-                <a16:creationId xmlns:a16="http://schemas.microsoft.com/office/drawing/2014/main" id="{D321DF90-4AB4-845D-83A3-1E5288AB6E09}"/>
-              </a:ext>
-            </a:extLst>
-          </p:cNvPr>
-          <p:cNvSpPr>
-            <a:spLocks noGrp="1"/>
-          </p:cNvSpPr>
-          <p:nvPr>
-            <p:ph type="title"/>
-          </p:nvPr>
-        </p:nvSpPr>
-        <p:spPr/>
-        <p:txBody>
-          <a:bodyPr/>
-          <a:lstStyle/>
-          <a:p>
-            <a:endParaRPr lang="en-US"/>
-          </a:p>
-        </p:txBody>
-      </p:sp>
-      <p:sp>
-        <p:nvSpPr>
-          <p:cNvPr id="3" name="Content Placeholder 2">
-            <a:extLst>
-              <a:ext uri="{FF2B5EF4-FFF2-40B4-BE49-F238E27FC236}">
-                <a16:creationId xmlns:a16="http://schemas.microsoft.com/office/drawing/2014/main" id="{5BF6A4CF-335D-D80B-3BEF-23DCBB26B63A}"/>
-              </a:ext>
-            </a:extLst>
-          </p:cNvPr>
-          <p:cNvSpPr>
-            <a:spLocks noGrp="1"/>
-          </p:cNvSpPr>
-          <p:nvPr>
-            <p:ph sz="half" idx="1"/>
-          </p:nvPr>
-        </p:nvSpPr>
-        <p:spPr/>
-        <p:txBody>
-          <a:bodyPr/>
-          <a:lstStyle/>
-          <a:p>
-            <a:endParaRPr lang="en-US"/>
-          </a:p>
-        </p:txBody>
-      </p:sp>
-      <p:sp>
-        <p:nvSpPr>
-          <p:cNvPr id="4" name="Content Placeholder 3">
-            <a:extLst>
-              <a:ext uri="{FF2B5EF4-FFF2-40B4-BE49-F238E27FC236}">
-                <a16:creationId xmlns:a16="http://schemas.microsoft.com/office/drawing/2014/main" id="{FE40782B-0E2D-D3C5-0FF8-00082ED87619}"/>
-              </a:ext>
-            </a:extLst>
-          </p:cNvPr>
-          <p:cNvSpPr>
-            <a:spLocks noGrp="1"/>
-          </p:cNvSpPr>
-          <p:nvPr>
-            <p:ph sz="half" idx="2"/>
-          </p:nvPr>
-        </p:nvSpPr>
-        <p:spPr/>
-        <p:txBody>
-          <a:bodyPr/>
-          <a:lstStyle/>
-          <a:p>
-            <a:endParaRPr lang="en-US"/>
-          </a:p>
-        </p:txBody>
-      </p:sp>
-    </p:spTree>
-    <p:extLst>
-      <p:ext uri="{BB962C8B-B14F-4D97-AF65-F5344CB8AC3E}">
-        <p14:creationId xmlns:p14="http://schemas.microsoft.com/office/powerpoint/2010/main" val="2419439245"/>
       </p:ext>
     </p:extLst>
   </p:cSld>
@@ -9218,13 +8801,13 @@
         </p:spPr>
         <p:txBody>
           <a:bodyPr>
-            <a:normAutofit/>
+            <a:normAutofit fontScale="90000"/>
           </a:bodyPr>
           <a:lstStyle/>
           <a:p>
             <a:r>
               <a:rPr lang="en-US" dirty="0"/>
-              <a:t>Equivalent Width </a:t>
+              <a:t>Absorption Equivalent Width </a:t>
             </a:r>
             <a:br>
               <a:rPr lang="en-US" dirty="0"/>
@@ -9257,8 +8840,8 @@
         </p:blipFill>
         <p:spPr>
           <a:xfrm>
-            <a:off x="966177" y="640081"/>
-            <a:ext cx="3336958" cy="5314406"/>
+            <a:off x="782425" y="122054"/>
+            <a:ext cx="3860075" cy="6147516"/>
           </a:xfrm>
           <a:prstGeom prst="rect">
             <a:avLst/>
@@ -9345,55 +8928,47 @@
         </p:spPr>
         <p:txBody>
           <a:bodyPr>
-            <a:normAutofit/>
+            <a:normAutofit fontScale="92500"/>
           </a:bodyPr>
           <a:lstStyle/>
           <a:p>
             <a:r>
-              <a:rPr lang="en-US" sz="1400" dirty="0"/>
-              <a:t>We employ the method developed in </a:t>
-            </a:r>
-            <a:r>
-              <a:rPr lang="en-US" sz="1400" dirty="0" err="1"/>
-              <a:t>GasFlows</a:t>
-            </a:r>
-            <a:r>
-              <a:rPr lang="en-US" sz="1400" dirty="0"/>
-              <a:t>-I to measure the absorption equivalent width (EW) co-rotation fraction. This method allows us to quantify the fraction of the absorption EW caused by the CGM gas that has velocities consistent with the rotation direction of the host galaxies. The advantage of this approach is that it relies more on the data itself rather than user-</a:t>
-            </a:r>
-            <a:r>
-              <a:rPr lang="en-US" sz="1400" dirty="0" err="1"/>
-              <a:t>dependant</a:t>
-            </a:r>
-            <a:r>
-              <a:rPr lang="en-US" sz="1400" dirty="0"/>
-              <a:t> absorption decomposition.</a:t>
-            </a:r>
-          </a:p>
-          <a:p>
-            <a:r>
-              <a:rPr lang="en-US" sz="1400" dirty="0"/>
-              <a:t>For each galaxy, we define a velocity window for its absorption lines, which includes all of the gas starting from the galaxy’s systemic velocity to the edge of the absorption that resides in the direction of the rotation of the galaxy. We then calculate the equivalent width in that window, which represents the absorption that aligns with the galaxy’s spin direction along the quasar line of sight. We then divide that number by the total equivalent width of the absorption line and this quantity is referred to as the EW co-rotation fraction, 𝑓</a:t>
-            </a:r>
-            <a:r>
-              <a:rPr lang="en-US" sz="1400" dirty="0" err="1"/>
-              <a:t>EWcorot</a:t>
-            </a:r>
-            <a:r>
-              <a:rPr lang="en-US" sz="1400" dirty="0"/>
-              <a:t>. A value of 1 indicates that all of the gas is consistent with a co-rotation scenario, while a value of 0 suggests that none of the gas is consistent with such a scenario. Figure 2 in </a:t>
-            </a:r>
-            <a:r>
-              <a:rPr lang="en-US" sz="1400" dirty="0" err="1"/>
-              <a:t>GasFlows</a:t>
-            </a:r>
-            <a:r>
-              <a:rPr lang="en-US" sz="1400" dirty="0"/>
-              <a:t>-I describes this method.</a:t>
-            </a:r>
-          </a:p>
-          <a:p>
-            <a:endParaRPr lang="en-US" sz="1400" dirty="0"/>
+              <a:rPr lang="en-US" sz="2400" dirty="0"/>
+              <a:t>Fraction of absorption caused by CGM gas with velocities consistent with rotation direction of host galaxies</a:t>
+            </a:r>
+          </a:p>
+          <a:p>
+            <a:pPr lvl="1"/>
+            <a:r>
+              <a:rPr lang="en-US" sz="2000" dirty="0"/>
+              <a:t>Measure rotation curve</a:t>
+            </a:r>
+          </a:p>
+          <a:p>
+            <a:pPr lvl="1"/>
+            <a:r>
+              <a:rPr lang="en-US" sz="2000" dirty="0"/>
+              <a:t>Measure/calculate absorption line velocities</a:t>
+            </a:r>
+          </a:p>
+          <a:p>
+            <a:pPr lvl="1"/>
+            <a:r>
+              <a:rPr lang="en-US" sz="2000" dirty="0"/>
+              <a:t>Calculate fraction of absorption line equivalent width from galaxy systemic velocity in the direction of rotation</a:t>
+            </a:r>
+          </a:p>
+          <a:p>
+            <a:r>
+              <a:rPr lang="en-US" sz="2400" dirty="0"/>
+              <a:t>Value of 1 indicates all of the gas is consistent with co-rotation</a:t>
+            </a:r>
+          </a:p>
+          <a:p>
+            <a:r>
+              <a:rPr lang="en-US" sz="2400" dirty="0"/>
+              <a:t>Value of 0 indicates none of the gas is consistent with co-rotation</a:t>
+            </a:r>
           </a:p>
         </p:txBody>
       </p:sp>
@@ -9556,7 +9131,7 @@
           <p:cNvPr id="2" name="Title 1">
             <a:extLst>
               <a:ext uri="{FF2B5EF4-FFF2-40B4-BE49-F238E27FC236}">
-                <a16:creationId xmlns:a16="http://schemas.microsoft.com/office/drawing/2014/main" id="{7E8E99EF-DC18-6114-A4E6-562A4D4EF469}"/>
+                <a16:creationId xmlns:a16="http://schemas.microsoft.com/office/drawing/2014/main" id="{BD129CD6-24E6-2A84-D2DD-694B510ECDA2}"/>
               </a:ext>
             </a:extLst>
           </p:cNvPr>
@@ -9567,14 +9142,19 @@
             <p:ph type="title"/>
           </p:nvPr>
         </p:nvSpPr>
-        <p:spPr/>
+        <p:spPr>
+          <a:xfrm>
+            <a:off x="1097280" y="126344"/>
+            <a:ext cx="10058400" cy="1450757"/>
+          </a:xfrm>
+        </p:spPr>
         <p:txBody>
           <a:bodyPr/>
           <a:lstStyle/>
           <a:p>
             <a:r>
               <a:rPr lang="en-US" dirty="0"/>
-              <a:t>Overview</a:t>
+              <a:t>Co-Rotation Distribution</a:t>
             </a:r>
           </a:p>
         </p:txBody>
@@ -9584,7 +9164,7 @@
           <p:cNvPr id="3" name="Content Placeholder 2">
             <a:extLst>
               <a:ext uri="{FF2B5EF4-FFF2-40B4-BE49-F238E27FC236}">
-                <a16:creationId xmlns:a16="http://schemas.microsoft.com/office/drawing/2014/main" id="{390207EA-8A93-6A92-9B19-EC6358161696}"/>
+                <a16:creationId xmlns:a16="http://schemas.microsoft.com/office/drawing/2014/main" id="{6CCEDA7A-1241-1803-CF2D-97AD64211663}"/>
               </a:ext>
             </a:extLst>
           </p:cNvPr>
@@ -9592,71 +9172,134 @@
             <a:spLocks noGrp="1"/>
           </p:cNvSpPr>
           <p:nvPr>
-            <p:ph idx="1"/>
+            <p:ph sz="half" idx="1"/>
           </p:nvPr>
         </p:nvSpPr>
         <p:spPr/>
         <p:txBody>
-          <a:bodyPr>
-            <a:normAutofit/>
-          </a:bodyPr>
+          <a:bodyPr/>
           <a:lstStyle/>
           <a:p>
-            <a:r>
-              <a:rPr lang="en-US" dirty="0"/>
-              <a:t>Baryon cycle, driven by accretion and outflows</a:t>
-            </a:r>
-          </a:p>
-          <a:p>
-            <a:r>
-              <a:rPr lang="en-US" dirty="0"/>
-              <a:t>Process gas travels through the CGM</a:t>
-            </a:r>
-          </a:p>
-          <a:p>
-            <a:r>
-              <a:rPr lang="en-US" dirty="0"/>
-              <a:t>Background quasar absorption</a:t>
-            </a:r>
-          </a:p>
-          <a:p>
-            <a:r>
-              <a:rPr lang="en-US" dirty="0" err="1"/>
-              <a:t>MgII</a:t>
-            </a:r>
-            <a:r>
-              <a:rPr lang="en-US" dirty="0"/>
-              <a:t> absorption reveal Doppler-shifted absorption with the same direction as galaxy rotation</a:t>
-            </a:r>
-          </a:p>
-          <a:p>
-            <a:pPr lvl="1"/>
-            <a:r>
-              <a:rPr lang="en-US" dirty="0"/>
-              <a:t>Low ionization CGM most likely co-rotates with the galaxy disk at substantial distance (100 kpc) from the galaxy</a:t>
-            </a:r>
-          </a:p>
-          <a:p>
-            <a:r>
-              <a:rPr lang="en-US" dirty="0"/>
-              <a:t>Different kinematics and absorption profiles for higher ionization absorbers</a:t>
-            </a:r>
-          </a:p>
-          <a:p>
-            <a:r>
-              <a:rPr lang="en-US" dirty="0"/>
-              <a:t>OVI gas flows may obscure kinematic signatures</a:t>
-            </a:r>
-          </a:p>
-          <a:p>
             <a:endParaRPr lang="en-US" dirty="0"/>
           </a:p>
         </p:txBody>
       </p:sp>
+      <p:sp>
+        <p:nvSpPr>
+          <p:cNvPr id="4" name="Content Placeholder 3">
+            <a:extLst>
+              <a:ext uri="{FF2B5EF4-FFF2-40B4-BE49-F238E27FC236}">
+                <a16:creationId xmlns:a16="http://schemas.microsoft.com/office/drawing/2014/main" id="{EA4D2A9D-8E9E-ED55-D756-D798152A3319}"/>
+              </a:ext>
+            </a:extLst>
+          </p:cNvPr>
+          <p:cNvSpPr>
+            <a:spLocks noGrp="1"/>
+          </p:cNvSpPr>
+          <p:nvPr>
+            <p:ph sz="half" idx="2"/>
+          </p:nvPr>
+        </p:nvSpPr>
+        <p:spPr/>
+        <p:txBody>
+          <a:bodyPr/>
+          <a:lstStyle/>
+          <a:p>
+            <a:endParaRPr lang="en-US" dirty="0"/>
+          </a:p>
+        </p:txBody>
+      </p:sp>
+      <p:pic>
+        <p:nvPicPr>
+          <p:cNvPr id="6" name="Picture 5">
+            <a:extLst>
+              <a:ext uri="{FF2B5EF4-FFF2-40B4-BE49-F238E27FC236}">
+                <a16:creationId xmlns:a16="http://schemas.microsoft.com/office/drawing/2014/main" id="{EB5C9A47-C7E4-DF14-341F-19738BBE3C7F}"/>
+              </a:ext>
+            </a:extLst>
+          </p:cNvPr>
+          <p:cNvPicPr>
+            <a:picLocks noChangeAspect="1"/>
+          </p:cNvPicPr>
+          <p:nvPr/>
+        </p:nvPicPr>
+        <p:blipFill rotWithShape="1">
+          <a:blip r:embed="rId3"/>
+          <a:srcRect l="7759" t="39313" r="7389" b="26323"/>
+          <a:stretch/>
+        </p:blipFill>
+        <p:spPr>
+          <a:xfrm>
+            <a:off x="6563881" y="1468723"/>
+            <a:ext cx="4591799" cy="2746291"/>
+          </a:xfrm>
+          <a:prstGeom prst="rect">
+            <a:avLst/>
+          </a:prstGeom>
+        </p:spPr>
+      </p:pic>
+      <p:pic>
+        <p:nvPicPr>
+          <p:cNvPr id="5" name="Picture 4">
+            <a:extLst>
+              <a:ext uri="{FF2B5EF4-FFF2-40B4-BE49-F238E27FC236}">
+                <a16:creationId xmlns:a16="http://schemas.microsoft.com/office/drawing/2014/main" id="{C36A1AD7-CC49-26DD-7700-9C52AC16E2CE}"/>
+              </a:ext>
+            </a:extLst>
+          </p:cNvPr>
+          <p:cNvPicPr>
+            <a:picLocks noChangeAspect="1"/>
+          </p:cNvPicPr>
+          <p:nvPr/>
+        </p:nvPicPr>
+        <p:blipFill rotWithShape="1">
+          <a:blip r:embed="rId3"/>
+          <a:srcRect l="7619" t="3889" r="5905" b="61535"/>
+          <a:stretch/>
+        </p:blipFill>
+        <p:spPr>
+          <a:xfrm>
+            <a:off x="1097278" y="1486229"/>
+            <a:ext cx="4591800" cy="2711278"/>
+          </a:xfrm>
+          <a:prstGeom prst="rect">
+            <a:avLst/>
+          </a:prstGeom>
+        </p:spPr>
+      </p:pic>
+      <p:pic>
+        <p:nvPicPr>
+          <p:cNvPr id="7" name="Picture 6">
+            <a:extLst>
+              <a:ext uri="{FF2B5EF4-FFF2-40B4-BE49-F238E27FC236}">
+                <a16:creationId xmlns:a16="http://schemas.microsoft.com/office/drawing/2014/main" id="{CBCF1C20-F317-5C3F-B2D5-5C95CF0852CC}"/>
+              </a:ext>
+            </a:extLst>
+          </p:cNvPr>
+          <p:cNvPicPr>
+            <a:picLocks noChangeAspect="1"/>
+          </p:cNvPicPr>
+          <p:nvPr/>
+        </p:nvPicPr>
+        <p:blipFill rotWithShape="1">
+          <a:blip r:embed="rId3"/>
+          <a:srcRect l="5990" t="73535" r="6722" b="2823"/>
+          <a:stretch/>
+        </p:blipFill>
+        <p:spPr>
+          <a:xfrm>
+            <a:off x="3359870" y="4277318"/>
+            <a:ext cx="5472260" cy="2188905"/>
+          </a:xfrm>
+          <a:prstGeom prst="rect">
+            <a:avLst/>
+          </a:prstGeom>
+        </p:spPr>
+      </p:pic>
     </p:spTree>
     <p:extLst>
       <p:ext uri="{BB962C8B-B14F-4D97-AF65-F5344CB8AC3E}">
-        <p14:creationId xmlns:p14="http://schemas.microsoft.com/office/powerpoint/2010/main" val="1970302186"/>
+        <p14:creationId xmlns:p14="http://schemas.microsoft.com/office/powerpoint/2010/main" val="405507333"/>
       </p:ext>
     </p:extLst>
   </p:cSld>
@@ -9688,7 +9331,7 @@
           <p:cNvPr id="2" name="Title 1">
             <a:extLst>
               <a:ext uri="{FF2B5EF4-FFF2-40B4-BE49-F238E27FC236}">
-                <a16:creationId xmlns:a16="http://schemas.microsoft.com/office/drawing/2014/main" id="{BD129CD6-24E6-2A84-D2DD-694B510ECDA2}"/>
+                <a16:creationId xmlns:a16="http://schemas.microsoft.com/office/drawing/2014/main" id="{FFECDE02-F83E-4A0D-7DB0-07B595E73D3B}"/>
               </a:ext>
             </a:extLst>
           </p:cNvPr>
@@ -9705,8 +9348,12 @@
           <a:lstStyle/>
           <a:p>
             <a:r>
+              <a:rPr lang="en-US" dirty="0" err="1"/>
+              <a:t>Aziumthal</a:t>
+            </a:r>
+            <a:r>
               <a:rPr lang="en-US" dirty="0"/>
-              <a:t>Co-Rotation Distribution</a:t>
+              <a:t> Angle</a:t>
             </a:r>
           </a:p>
         </p:txBody>
@@ -9716,7 +9363,7 @@
           <p:cNvPr id="3" name="Content Placeholder 2">
             <a:extLst>
               <a:ext uri="{FF2B5EF4-FFF2-40B4-BE49-F238E27FC236}">
-                <a16:creationId xmlns:a16="http://schemas.microsoft.com/office/drawing/2014/main" id="{6CCEDA7A-1241-1803-CF2D-97AD64211663}"/>
+                <a16:creationId xmlns:a16="http://schemas.microsoft.com/office/drawing/2014/main" id="{E9086123-511D-F0CD-722B-69FF10528D7F}"/>
               </a:ext>
             </a:extLst>
           </p:cNvPr>
@@ -9729,10 +9376,41 @@
         </p:nvSpPr>
         <p:spPr/>
         <p:txBody>
-          <a:bodyPr/>
+          <a:bodyPr>
+            <a:normAutofit/>
+          </a:bodyPr>
           <a:lstStyle/>
           <a:p>
-            <a:endParaRPr lang="en-US"/>
+            <a:r>
+              <a:rPr lang="en-US" sz="2400" dirty="0"/>
+              <a:t>Co-rotation versus galaxy orientation</a:t>
+            </a:r>
+          </a:p>
+          <a:p>
+            <a:pPr lvl="1"/>
+            <a:r>
+              <a:rPr lang="en-US" sz="2000" dirty="0"/>
+              <a:t>Ions consistent with each other</a:t>
+            </a:r>
+          </a:p>
+          <a:p>
+            <a:r>
+              <a:rPr lang="en-US" sz="2400" dirty="0"/>
+              <a:t>Peak at intermediate values</a:t>
+            </a:r>
+          </a:p>
+          <a:p>
+            <a:pPr lvl="1"/>
+            <a:r>
+              <a:rPr lang="en-US" sz="2000" dirty="0"/>
+              <a:t>Indication of cold mode?</a:t>
+            </a:r>
+          </a:p>
+          <a:p>
+            <a:r>
+              <a:rPr lang="en-US" sz="2400" dirty="0"/>
+              <a:t>No real takeaways</a:t>
+            </a:r>
           </a:p>
         </p:txBody>
       </p:sp>
@@ -9741,7 +9419,7 @@
           <p:cNvPr id="4" name="Content Placeholder 3">
             <a:extLst>
               <a:ext uri="{FF2B5EF4-FFF2-40B4-BE49-F238E27FC236}">
-                <a16:creationId xmlns:a16="http://schemas.microsoft.com/office/drawing/2014/main" id="{EA4D2A9D-8E9E-ED55-D756-D798152A3319}"/>
+                <a16:creationId xmlns:a16="http://schemas.microsoft.com/office/drawing/2014/main" id="{81DA0377-B9B7-787F-0A8B-DA3777B62629}"/>
               </a:ext>
             </a:extLst>
           </p:cNvPr>
@@ -9766,7 +9444,7 @@
           <p:cNvPr id="6" name="Picture 5">
             <a:extLst>
               <a:ext uri="{FF2B5EF4-FFF2-40B4-BE49-F238E27FC236}">
-                <a16:creationId xmlns:a16="http://schemas.microsoft.com/office/drawing/2014/main" id="{EB5C9A47-C7E4-DF14-341F-19738BBE3C7F}"/>
+                <a16:creationId xmlns:a16="http://schemas.microsoft.com/office/drawing/2014/main" id="{193E1058-7650-0AA0-E552-9784DEB89AF6}"/>
               </a:ext>
             </a:extLst>
           </p:cNvPr>
@@ -9775,16 +9453,15 @@
           </p:cNvPicPr>
           <p:nvPr/>
         </p:nvPicPr>
-        <p:blipFill>
-          <a:blip r:embed="rId3"/>
-          <a:stretch>
-            <a:fillRect/>
-          </a:stretch>
+        <p:blipFill rotWithShape="1">
+          <a:blip r:embed="rId2"/>
+          <a:srcRect l="4901" t="7693" r="7843" b="6521"/>
+          <a:stretch/>
         </p:blipFill>
         <p:spPr>
           <a:xfrm>
-            <a:off x="3774065" y="0"/>
-            <a:ext cx="4643869" cy="6858000"/>
+            <a:off x="5843766" y="556181"/>
+            <a:ext cx="6263391" cy="5312913"/>
           </a:xfrm>
           <a:prstGeom prst="rect">
             <a:avLst/>
@@ -9794,7 +9471,7 @@
     </p:spTree>
     <p:extLst>
       <p:ext uri="{BB962C8B-B14F-4D97-AF65-F5344CB8AC3E}">
-        <p14:creationId xmlns:p14="http://schemas.microsoft.com/office/powerpoint/2010/main" val="405507333"/>
+        <p14:creationId xmlns:p14="http://schemas.microsoft.com/office/powerpoint/2010/main" val="439449362"/>
       </p:ext>
     </p:extLst>
   </p:cSld>
@@ -9826,7 +9503,7 @@
           <p:cNvPr id="2" name="Title 1">
             <a:extLst>
               <a:ext uri="{FF2B5EF4-FFF2-40B4-BE49-F238E27FC236}">
-                <a16:creationId xmlns:a16="http://schemas.microsoft.com/office/drawing/2014/main" id="{55CAA901-9C5F-237A-BF38-5CA1B333E207}"/>
+                <a16:creationId xmlns:a16="http://schemas.microsoft.com/office/drawing/2014/main" id="{1C81C615-2107-57C4-0CFB-575F01498A81}"/>
               </a:ext>
             </a:extLst>
           </p:cNvPr>
@@ -9842,7 +9519,10 @@
           <a:bodyPr/>
           <a:lstStyle/>
           <a:p>
-            <a:endParaRPr lang="en-US"/>
+            <a:r>
+              <a:rPr lang="en-US" dirty="0"/>
+              <a:t>Azimuthal Angle</a:t>
+            </a:r>
           </a:p>
         </p:txBody>
       </p:sp>
@@ -9851,7 +9531,7 @@
           <p:cNvPr id="3" name="Content Placeholder 2">
             <a:extLst>
               <a:ext uri="{FF2B5EF4-FFF2-40B4-BE49-F238E27FC236}">
-                <a16:creationId xmlns:a16="http://schemas.microsoft.com/office/drawing/2014/main" id="{CF6645D1-77EF-44B7-DE9C-6C477EBC2A70}"/>
+                <a16:creationId xmlns:a16="http://schemas.microsoft.com/office/drawing/2014/main" id="{2E8AE6D6-D234-341C-5FED-A95B3C32A396}"/>
               </a:ext>
             </a:extLst>
           </p:cNvPr>
@@ -9864,10 +9544,35 @@
         </p:nvSpPr>
         <p:spPr/>
         <p:txBody>
-          <a:bodyPr/>
+          <a:bodyPr>
+            <a:normAutofit/>
+          </a:bodyPr>
           <a:lstStyle/>
           <a:p>
-            <a:endParaRPr lang="en-US"/>
+            <a:r>
+              <a:rPr lang="en-US" sz="2400" dirty="0"/>
+              <a:t>Where in the galaxy co-rotation is occurring</a:t>
+            </a:r>
+          </a:p>
+          <a:p>
+            <a:pPr lvl="1"/>
+            <a:r>
+              <a:rPr lang="en-US" sz="2000" dirty="0"/>
+              <a:t>Plot where bulk of absorption is consistent with co-rotation model</a:t>
+            </a:r>
+          </a:p>
+          <a:p>
+            <a:r>
+              <a:rPr lang="en-US" sz="2400" dirty="0"/>
+              <a:t>Significant peak within 15 degrees of major axis</a:t>
+            </a:r>
+          </a:p>
+          <a:p>
+            <a:pPr lvl="1"/>
+            <a:r>
+              <a:rPr lang="en-US" sz="2000" dirty="0"/>
+              <a:t>Where accretion is expected to occur</a:t>
+            </a:r>
           </a:p>
         </p:txBody>
       </p:sp>
@@ -9876,7 +9581,7 @@
           <p:cNvPr id="4" name="Content Placeholder 3">
             <a:extLst>
               <a:ext uri="{FF2B5EF4-FFF2-40B4-BE49-F238E27FC236}">
-                <a16:creationId xmlns:a16="http://schemas.microsoft.com/office/drawing/2014/main" id="{A71EFF71-6D90-60D1-33BD-AA9065CEB9B8}"/>
+                <a16:creationId xmlns:a16="http://schemas.microsoft.com/office/drawing/2014/main" id="{182911A4-C80C-E2C3-58E5-E0FF44711AD9}"/>
               </a:ext>
             </a:extLst>
           </p:cNvPr>
@@ -9901,7 +9606,7 @@
           <p:cNvPr id="6" name="Picture 5">
             <a:extLst>
               <a:ext uri="{FF2B5EF4-FFF2-40B4-BE49-F238E27FC236}">
-                <a16:creationId xmlns:a16="http://schemas.microsoft.com/office/drawing/2014/main" id="{D75D8C46-829A-DB55-6C90-4CFBE07532AE}"/>
+                <a16:creationId xmlns:a16="http://schemas.microsoft.com/office/drawing/2014/main" id="{82830C09-C6A5-772F-2E3D-64F4EC930B5D}"/>
               </a:ext>
             </a:extLst>
           </p:cNvPr>
@@ -9918,8 +9623,8 @@
         </p:blipFill>
         <p:spPr>
           <a:xfrm>
-            <a:off x="595312" y="371475"/>
-            <a:ext cx="11001375" cy="6115050"/>
+            <a:off x="6096000" y="338913"/>
+            <a:ext cx="5996822" cy="5530182"/>
           </a:xfrm>
           <a:prstGeom prst="rect">
             <a:avLst/>
@@ -9929,7 +9634,7 @@
     </p:spTree>
     <p:extLst>
       <p:ext uri="{BB962C8B-B14F-4D97-AF65-F5344CB8AC3E}">
-        <p14:creationId xmlns:p14="http://schemas.microsoft.com/office/powerpoint/2010/main" val="794397477"/>
+        <p14:creationId xmlns:p14="http://schemas.microsoft.com/office/powerpoint/2010/main" val="2933142392"/>
       </p:ext>
     </p:extLst>
   </p:cSld>
@@ -9961,7 +9666,7 @@
           <p:cNvPr id="2" name="Title 1">
             <a:extLst>
               <a:ext uri="{FF2B5EF4-FFF2-40B4-BE49-F238E27FC236}">
-                <a16:creationId xmlns:a16="http://schemas.microsoft.com/office/drawing/2014/main" id="{FFECDE02-F83E-4A0D-7DB0-07B595E73D3B}"/>
+                <a16:creationId xmlns:a16="http://schemas.microsoft.com/office/drawing/2014/main" id="{42448BA2-A832-C331-6521-AA1D1CAF5144}"/>
               </a:ext>
             </a:extLst>
           </p:cNvPr>
@@ -9977,7 +9682,17 @@
           <a:bodyPr/>
           <a:lstStyle/>
           <a:p>
-            <a:endParaRPr lang="en-US"/>
+            <a:r>
+              <a:rPr lang="en-US" dirty="0"/>
+              <a:t>Ionization </a:t>
+            </a:r>
+            <a:br>
+              <a:rPr lang="en-US" dirty="0"/>
+            </a:br>
+            <a:r>
+              <a:rPr lang="en-US" dirty="0"/>
+              <a:t>Dependence</a:t>
+            </a:r>
           </a:p>
         </p:txBody>
       </p:sp>
@@ -9986,7 +9701,7 @@
           <p:cNvPr id="3" name="Content Placeholder 2">
             <a:extLst>
               <a:ext uri="{FF2B5EF4-FFF2-40B4-BE49-F238E27FC236}">
-                <a16:creationId xmlns:a16="http://schemas.microsoft.com/office/drawing/2014/main" id="{E9086123-511D-F0CD-722B-69FF10528D7F}"/>
+                <a16:creationId xmlns:a16="http://schemas.microsoft.com/office/drawing/2014/main" id="{53DDCD83-F608-056E-8C2A-5B6631137198}"/>
               </a:ext>
             </a:extLst>
           </p:cNvPr>
@@ -9999,10 +9714,35 @@
         </p:nvSpPr>
         <p:spPr/>
         <p:txBody>
-          <a:bodyPr/>
+          <a:bodyPr>
+            <a:normAutofit/>
+          </a:bodyPr>
           <a:lstStyle/>
           <a:p>
-            <a:endParaRPr lang="en-US"/>
+            <a:r>
+              <a:rPr lang="en-US" sz="2800" dirty="0"/>
+              <a:t>Results imply difference between corotating fractions in different ionization states</a:t>
+            </a:r>
+          </a:p>
+          <a:p>
+            <a:pPr lvl="1"/>
+            <a:r>
+              <a:rPr lang="en-US" sz="2400" dirty="0"/>
+              <a:t>Corotation also varies with ionization in individual systems</a:t>
+            </a:r>
+          </a:p>
+          <a:p>
+            <a:r>
+              <a:rPr lang="en-US" sz="2800" dirty="0"/>
+              <a:t>Most systems have higher fractions in lower-ionization CGM</a:t>
+            </a:r>
+          </a:p>
+          <a:p>
+            <a:pPr lvl="1"/>
+            <a:r>
+              <a:rPr lang="en-US" sz="2400" dirty="0"/>
+              <a:t>Still significant kinematic consistency between ions</a:t>
+            </a:r>
           </a:p>
         </p:txBody>
       </p:sp>
@@ -10011,7 +9751,7 @@
           <p:cNvPr id="4" name="Content Placeholder 3">
             <a:extLst>
               <a:ext uri="{FF2B5EF4-FFF2-40B4-BE49-F238E27FC236}">
-                <a16:creationId xmlns:a16="http://schemas.microsoft.com/office/drawing/2014/main" id="{81DA0377-B9B7-787F-0A8B-DA3777B62629}"/>
+                <a16:creationId xmlns:a16="http://schemas.microsoft.com/office/drawing/2014/main" id="{83F783D7-D12D-5A0A-9451-20D9E630B676}"/>
               </a:ext>
             </a:extLst>
           </p:cNvPr>
@@ -10024,7 +9764,9 @@
         </p:nvSpPr>
         <p:spPr/>
         <p:txBody>
-          <a:bodyPr/>
+          <a:bodyPr>
+            <a:normAutofit/>
+          </a:bodyPr>
           <a:lstStyle/>
           <a:p>
             <a:endParaRPr lang="en-US"/>
@@ -10033,10 +9775,10 @@
       </p:sp>
       <p:pic>
         <p:nvPicPr>
-          <p:cNvPr id="6" name="Picture 5">
+          <p:cNvPr id="8" name="Picture 7">
             <a:extLst>
               <a:ext uri="{FF2B5EF4-FFF2-40B4-BE49-F238E27FC236}">
-                <a16:creationId xmlns:a16="http://schemas.microsoft.com/office/drawing/2014/main" id="{193E1058-7650-0AA0-E552-9784DEB89AF6}"/>
+                <a16:creationId xmlns:a16="http://schemas.microsoft.com/office/drawing/2014/main" id="{58973C1B-7E91-8319-03F8-5BF95EF4AD91}"/>
               </a:ext>
             </a:extLst>
           </p:cNvPr>
@@ -10045,16 +9787,15 @@
           </p:cNvPicPr>
           <p:nvPr/>
         </p:nvPicPr>
-        <p:blipFill>
+        <p:blipFill rotWithShape="1">
           <a:blip r:embed="rId2"/>
-          <a:stretch>
-            <a:fillRect/>
-          </a:stretch>
+          <a:srcRect l="6503" t="9920" r="6171"/>
+          <a:stretch/>
         </p:blipFill>
         <p:spPr>
           <a:xfrm>
-            <a:off x="3319462" y="1033462"/>
-            <a:ext cx="5553075" cy="4791075"/>
+            <a:off x="6234256" y="444956"/>
+            <a:ext cx="5797485" cy="5722985"/>
           </a:xfrm>
           <a:prstGeom prst="rect">
             <a:avLst/>
@@ -10064,7 +9805,7 @@
     </p:spTree>
     <p:extLst>
       <p:ext uri="{BB962C8B-B14F-4D97-AF65-F5344CB8AC3E}">
-        <p14:creationId xmlns:p14="http://schemas.microsoft.com/office/powerpoint/2010/main" val="439449362"/>
+        <p14:creationId xmlns:p14="http://schemas.microsoft.com/office/powerpoint/2010/main" val="1067086800"/>
       </p:ext>
     </p:extLst>
   </p:cSld>
